--- a/아카데미 수업내용 6월/PC와 PC 기술 기획서.pptx
+++ b/아카데미 수업내용 6월/PC와 PC 기술 기획서.pptx
@@ -325,7 +325,7 @@
             <a:fld id="{B61BEF0D-F0BB-DE4B-95CE-6DB70DBA9567}" type="datetimeFigureOut">
               <a:rPr lang="en-US" dirty="0"/>
               <a:pPr/>
-              <a:t>7/1/2024</a:t>
+              <a:t>7/2/2024</a:t>
             </a:fld>
             <a:endParaRPr lang="en-US" dirty="0"/>
           </a:p>
@@ -660,7 +660,7 @@
             <a:fld id="{B61BEF0D-F0BB-DE4B-95CE-6DB70DBA9567}" type="datetimeFigureOut">
               <a:rPr lang="en-US" dirty="0"/>
               <a:pPr/>
-              <a:t>7/1/2024</a:t>
+              <a:t>7/2/2024</a:t>
             </a:fld>
             <a:endParaRPr lang="en-US" dirty="0"/>
           </a:p>
@@ -1058,7 +1058,7 @@
             <a:fld id="{B61BEF0D-F0BB-DE4B-95CE-6DB70DBA9567}" type="datetimeFigureOut">
               <a:rPr lang="en-US" dirty="0"/>
               <a:pPr/>
-              <a:t>7/1/2024</a:t>
+              <a:t>7/2/2024</a:t>
             </a:fld>
             <a:endParaRPr lang="en-US" dirty="0"/>
           </a:p>
@@ -1391,7 +1391,7 @@
             <a:fld id="{B61BEF0D-F0BB-DE4B-95CE-6DB70DBA9567}" type="datetimeFigureOut">
               <a:rPr lang="en-US" dirty="0"/>
               <a:pPr/>
-              <a:t>7/1/2024</a:t>
+              <a:t>7/2/2024</a:t>
             </a:fld>
             <a:endParaRPr lang="en-US" dirty="0"/>
           </a:p>
@@ -1708,7 +1708,7 @@
             <a:fld id="{B61BEF0D-F0BB-DE4B-95CE-6DB70DBA9567}" type="datetimeFigureOut">
               <a:rPr lang="en-US" dirty="0"/>
               <a:pPr/>
-              <a:t>7/1/2024</a:t>
+              <a:t>7/2/2024</a:t>
             </a:fld>
             <a:endParaRPr lang="en-US" dirty="0"/>
           </a:p>
@@ -2101,7 +2101,7 @@
             <a:fld id="{B61BEF0D-F0BB-DE4B-95CE-6DB70DBA9567}" type="datetimeFigureOut">
               <a:rPr lang="en-US" dirty="0"/>
               <a:pPr/>
-              <a:t>7/1/2024</a:t>
+              <a:t>7/2/2024</a:t>
             </a:fld>
             <a:endParaRPr lang="en-US" dirty="0"/>
           </a:p>
@@ -2355,7 +2355,7 @@
             <a:fld id="{B61BEF0D-F0BB-DE4B-95CE-6DB70DBA9567}" type="datetimeFigureOut">
               <a:rPr lang="en-US" dirty="0"/>
               <a:pPr/>
-              <a:t>7/1/2024</a:t>
+              <a:t>7/2/2024</a:t>
             </a:fld>
             <a:endParaRPr lang="en-US" dirty="0"/>
           </a:p>
@@ -2614,7 +2614,7 @@
             <a:fld id="{B61BEF0D-F0BB-DE4B-95CE-6DB70DBA9567}" type="datetimeFigureOut">
               <a:rPr lang="en-US" dirty="0"/>
               <a:pPr/>
-              <a:t>7/1/2024</a:t>
+              <a:t>7/2/2024</a:t>
             </a:fld>
             <a:endParaRPr lang="en-US" dirty="0"/>
           </a:p>
@@ -2873,7 +2873,7 @@
             <a:fld id="{B61BEF0D-F0BB-DE4B-95CE-6DB70DBA9567}" type="datetimeFigureOut">
               <a:rPr lang="en-US" dirty="0"/>
               <a:pPr/>
-              <a:t>7/1/2024</a:t>
+              <a:t>7/2/2024</a:t>
             </a:fld>
             <a:endParaRPr lang="en-US" dirty="0"/>
           </a:p>
@@ -3199,7 +3199,7 @@
             <a:fld id="{B61BEF0D-F0BB-DE4B-95CE-6DB70DBA9567}" type="datetimeFigureOut">
               <a:rPr lang="en-US" dirty="0"/>
               <a:pPr/>
-              <a:t>7/1/2024</a:t>
+              <a:t>7/2/2024</a:t>
             </a:fld>
             <a:endParaRPr lang="en-US" dirty="0"/>
           </a:p>
@@ -3519,7 +3519,7 @@
             <a:fld id="{B61BEF0D-F0BB-DE4B-95CE-6DB70DBA9567}" type="datetimeFigureOut">
               <a:rPr lang="en-US" dirty="0"/>
               <a:pPr/>
-              <a:t>7/1/2024</a:t>
+              <a:t>7/2/2024</a:t>
             </a:fld>
             <a:endParaRPr lang="en-US" dirty="0"/>
           </a:p>
@@ -3973,7 +3973,7 @@
             <a:fld id="{B61BEF0D-F0BB-DE4B-95CE-6DB70DBA9567}" type="datetimeFigureOut">
               <a:rPr lang="en-US" dirty="0"/>
               <a:pPr/>
-              <a:t>7/1/2024</a:t>
+              <a:t>7/2/2024</a:t>
             </a:fld>
             <a:endParaRPr lang="en-US" dirty="0"/>
           </a:p>
@@ -4175,7 +4175,7 @@
             <a:fld id="{B61BEF0D-F0BB-DE4B-95CE-6DB70DBA9567}" type="datetimeFigureOut">
               <a:rPr lang="en-US" dirty="0"/>
               <a:pPr/>
-              <a:t>7/1/2024</a:t>
+              <a:t>7/2/2024</a:t>
             </a:fld>
             <a:endParaRPr lang="en-US" dirty="0"/>
           </a:p>
@@ -4349,7 +4349,7 @@
             <a:fld id="{B61BEF0D-F0BB-DE4B-95CE-6DB70DBA9567}" type="datetimeFigureOut">
               <a:rPr lang="en-US" dirty="0"/>
               <a:pPr/>
-              <a:t>7/1/2024</a:t>
+              <a:t>7/2/2024</a:t>
             </a:fld>
             <a:endParaRPr lang="en-US" dirty="0"/>
           </a:p>
@@ -4679,7 +4679,7 @@
             <a:fld id="{B61BEF0D-F0BB-DE4B-95CE-6DB70DBA9567}" type="datetimeFigureOut">
               <a:rPr lang="en-US" dirty="0"/>
               <a:pPr/>
-              <a:t>7/1/2024</a:t>
+              <a:t>7/2/2024</a:t>
             </a:fld>
             <a:endParaRPr lang="en-US" dirty="0"/>
           </a:p>
@@ -5021,7 +5021,7 @@
             <a:fld id="{B61BEF0D-F0BB-DE4B-95CE-6DB70DBA9567}" type="datetimeFigureOut">
               <a:rPr lang="en-US" dirty="0"/>
               <a:pPr/>
-              <a:t>7/1/2024</a:t>
+              <a:t>7/2/2024</a:t>
             </a:fld>
             <a:endParaRPr lang="en-US" dirty="0"/>
           </a:p>
@@ -7135,7 +7135,7 @@
             <a:fld id="{B61BEF0D-F0BB-DE4B-95CE-6DB70DBA9567}" type="datetimeFigureOut">
               <a:rPr lang="en-US" dirty="0"/>
               <a:pPr/>
-              <a:t>7/1/2024</a:t>
+              <a:t>7/2/2024</a:t>
             </a:fld>
             <a:endParaRPr lang="en-US" dirty="0"/>
           </a:p>
@@ -8980,65 +8980,6 @@
           </a:p>
         </p:txBody>
       </p:sp>
-      <p:sp>
-        <p:nvSpPr>
-          <p:cNvPr id="6" name="직사각형 5">
-            <a:extLst>
-              <a:ext uri="{FF2B5EF4-FFF2-40B4-BE49-F238E27FC236}">
-                <a16:creationId xmlns:a16="http://schemas.microsoft.com/office/drawing/2014/main" id="{4C2DC100-C0D1-A476-E239-C26D8ACE41E3}"/>
-              </a:ext>
-            </a:extLst>
-          </p:cNvPr>
-          <p:cNvSpPr/>
-          <p:nvPr/>
-        </p:nvSpPr>
-        <p:spPr>
-          <a:xfrm>
-            <a:off x="9315142" y="1273629"/>
-            <a:ext cx="2185757" cy="1182255"/>
-          </a:xfrm>
-          <a:prstGeom prst="rect">
-            <a:avLst/>
-          </a:prstGeom>
-          <a:solidFill>
-            <a:schemeClr val="accent6">
-              <a:lumMod val="20000"/>
-              <a:lumOff val="80000"/>
-            </a:schemeClr>
-          </a:solidFill>
-        </p:spPr>
-        <p:style>
-          <a:lnRef idx="2">
-            <a:schemeClr val="accent1">
-              <a:shade val="15000"/>
-            </a:schemeClr>
-          </a:lnRef>
-          <a:fillRef idx="1">
-            <a:schemeClr val="accent1"/>
-          </a:fillRef>
-          <a:effectRef idx="0">
-            <a:schemeClr val="accent1"/>
-          </a:effectRef>
-          <a:fontRef idx="minor">
-            <a:schemeClr val="lt1"/>
-          </a:fontRef>
-        </p:style>
-        <p:txBody>
-          <a:bodyPr rtlCol="0" anchor="ctr"/>
-          <a:lstStyle/>
-          <a:p>
-            <a:pPr algn="ctr"/>
-            <a:r>
-              <a:rPr lang="ko-KR" altLang="en-US" dirty="0">
-                <a:solidFill>
-                  <a:schemeClr val="tx1"/>
-                </a:solidFill>
-              </a:rPr>
-              <a:t>조작키</a:t>
-            </a:r>
-          </a:p>
-        </p:txBody>
-      </p:sp>
     </p:spTree>
     <p:extLst>
       <p:ext uri="{BB962C8B-B14F-4D97-AF65-F5344CB8AC3E}">
@@ -9885,65 +9826,6 @@
               <a:t> 발동 조건 설명</a:t>
             </a:r>
             <a:endParaRPr lang="en-US" altLang="ko-KR" dirty="0"/>
-          </a:p>
-        </p:txBody>
-      </p:sp>
-      <p:sp>
-        <p:nvSpPr>
-          <p:cNvPr id="5" name="직사각형 4">
-            <a:extLst>
-              <a:ext uri="{FF2B5EF4-FFF2-40B4-BE49-F238E27FC236}">
-                <a16:creationId xmlns:a16="http://schemas.microsoft.com/office/drawing/2014/main" id="{F3C3EA9D-233D-1057-B55F-398664823E4D}"/>
-              </a:ext>
-            </a:extLst>
-          </p:cNvPr>
-          <p:cNvSpPr/>
-          <p:nvPr/>
-        </p:nvSpPr>
-        <p:spPr>
-          <a:xfrm>
-            <a:off x="9315142" y="1273629"/>
-            <a:ext cx="2185757" cy="1182255"/>
-          </a:xfrm>
-          <a:prstGeom prst="rect">
-            <a:avLst/>
-          </a:prstGeom>
-          <a:solidFill>
-            <a:schemeClr val="accent6">
-              <a:lumMod val="20000"/>
-              <a:lumOff val="80000"/>
-            </a:schemeClr>
-          </a:solidFill>
-        </p:spPr>
-        <p:style>
-          <a:lnRef idx="2">
-            <a:schemeClr val="accent1">
-              <a:shade val="15000"/>
-            </a:schemeClr>
-          </a:lnRef>
-          <a:fillRef idx="1">
-            <a:schemeClr val="accent1"/>
-          </a:fillRef>
-          <a:effectRef idx="0">
-            <a:schemeClr val="accent1"/>
-          </a:effectRef>
-          <a:fontRef idx="minor">
-            <a:schemeClr val="lt1"/>
-          </a:fontRef>
-        </p:style>
-        <p:txBody>
-          <a:bodyPr rtlCol="0" anchor="ctr"/>
-          <a:lstStyle/>
-          <a:p>
-            <a:pPr algn="ctr"/>
-            <a:r>
-              <a:rPr lang="ko-KR" altLang="en-US" dirty="0">
-                <a:solidFill>
-                  <a:schemeClr val="tx1"/>
-                </a:solidFill>
-              </a:rPr>
-              <a:t>조작키</a:t>
-            </a:r>
           </a:p>
         </p:txBody>
       </p:sp>
@@ -14112,6 +13994,11 @@
             <a:off x="1873624" y="4286891"/>
             <a:ext cx="9627275" cy="2409744"/>
           </a:xfrm>
+          <a:ln w="3175">
+            <a:solidFill>
+              <a:schemeClr val="tx1"/>
+            </a:solidFill>
+          </a:ln>
         </p:spPr>
         <p:txBody>
           <a:bodyPr/>
@@ -14122,153 +14009,114 @@
             </a:pPr>
             <a:r>
               <a:rPr lang="ko-KR" altLang="en-US" dirty="0"/>
-              <a:t>기술자원이 존재하는 이유</a:t>
+              <a:t>기술 자원이란</a:t>
             </a:r>
             <a:r>
               <a:rPr lang="en-US" altLang="ko-KR" dirty="0"/>
-              <a:t>(</a:t>
+              <a:t>, </a:t>
+            </a:r>
+            <a:r>
+              <a:rPr lang="ko-KR" altLang="en-US" dirty="0"/>
+              <a:t>나중에 설명할 </a:t>
             </a:r>
             <a:r>
               <a:rPr lang="ko-KR" altLang="en-US" dirty="0" err="1"/>
               <a:t>필살기</a:t>
             </a:r>
             <a:r>
+              <a:rPr lang="ko-KR" altLang="en-US" dirty="0"/>
+              <a:t> 라는 기술을 사용하기 위한 게이지이다</a:t>
+            </a:r>
+            <a:r>
               <a:rPr lang="en-US" altLang="ko-KR" dirty="0"/>
-              <a:t>)</a:t>
-            </a:r>
-            <a:r>
-              <a:rPr lang="ko-KR" altLang="en-US" dirty="0"/>
-              <a:t>에 대한 설명</a:t>
+              <a:t>.</a:t>
             </a:r>
             <a:br>
               <a:rPr lang="en-US" altLang="ko-KR" dirty="0"/>
             </a:br>
             <a:r>
               <a:rPr lang="ko-KR" altLang="en-US" dirty="0"/>
-              <a:t>초당 충전에 대한 설명</a:t>
-            </a:r>
-            <a:endParaRPr lang="en-US" altLang="ko-KR" dirty="0"/>
+              <a:t>필살기라는 강력한 기술에 조건을 부여하기 위한 의도로 제작되었다</a:t>
+            </a:r>
+            <a:r>
+              <a:rPr lang="en-US" altLang="ko-KR" dirty="0"/>
+              <a:t>.</a:t>
+            </a:r>
           </a:p>
           <a:p>
             <a:pPr marL="0" indent="0">
               <a:buNone/>
             </a:pPr>
-            <a:endParaRPr lang="en-US" altLang="ko-KR" dirty="0"/>
-          </a:p>
-        </p:txBody>
-      </p:sp>
-      <p:sp>
-        <p:nvSpPr>
-          <p:cNvPr id="5" name="직사각형 4">
+            <a:br>
+              <a:rPr lang="en-US" altLang="ko-KR" dirty="0"/>
+            </a:br>
+            <a:r>
+              <a:rPr lang="ko-KR" altLang="en-US" dirty="0"/>
+              <a:t>매초 </a:t>
+            </a:r>
+            <a:r>
+              <a:rPr lang="en-US" altLang="ko-KR" dirty="0"/>
+              <a:t>0.1% </a:t>
+            </a:r>
+            <a:r>
+              <a:rPr lang="ko-KR" altLang="en-US" dirty="0"/>
+              <a:t>라는 아주 적은 양의 게이지가 자동으로 충전되어</a:t>
+            </a:r>
+            <a:r>
+              <a:rPr lang="en-US" altLang="ko-KR" dirty="0"/>
+              <a:t>, </a:t>
+            </a:r>
+            <a:br>
+              <a:rPr lang="en-US" altLang="ko-KR" dirty="0"/>
+            </a:br>
+            <a:r>
+              <a:rPr lang="ko-KR" altLang="en-US" dirty="0"/>
+              <a:t>소심하거나 컨트롤을 잘 하지 못하는 플레이어에게 시간을 대가로 게이지를</a:t>
+            </a:r>
+            <a:br>
+              <a:rPr lang="en-US" altLang="ko-KR" dirty="0"/>
+            </a:br>
+            <a:r>
+              <a:rPr lang="ko-KR" altLang="en-US" dirty="0"/>
+              <a:t>사용할 수 있도록 하였다</a:t>
+            </a:r>
+            <a:r>
+              <a:rPr lang="en-US" altLang="ko-KR" dirty="0"/>
+              <a:t>.</a:t>
+            </a:r>
+          </a:p>
+        </p:txBody>
+      </p:sp>
+      <p:pic>
+        <p:nvPicPr>
+          <p:cNvPr id="6" name="그림 5">
             <a:extLst>
               <a:ext uri="{FF2B5EF4-FFF2-40B4-BE49-F238E27FC236}">
-                <a16:creationId xmlns:a16="http://schemas.microsoft.com/office/drawing/2014/main" id="{9A285DB8-2439-19B0-0783-E35048400B6D}"/>
+                <a16:creationId xmlns:a16="http://schemas.microsoft.com/office/drawing/2014/main" id="{6B51E75A-7093-54E4-0ADC-B0640C35754C}"/>
               </a:ext>
             </a:extLst>
           </p:cNvPr>
-          <p:cNvSpPr/>
+          <p:cNvPicPr>
+            <a:picLocks noChangeAspect="1"/>
+          </p:cNvPicPr>
           <p:nvPr/>
-        </p:nvSpPr>
+        </p:nvPicPr>
+        <p:blipFill>
+          <a:blip r:embed="rId2"/>
+          <a:stretch>
+            <a:fillRect/>
+          </a:stretch>
+        </p:blipFill>
         <p:spPr>
           <a:xfrm>
-            <a:off x="1873624" y="1273629"/>
-            <a:ext cx="9627275" cy="2799607"/>
+            <a:off x="1873623" y="1273629"/>
+            <a:ext cx="6022601" cy="2799607"/>
           </a:xfrm>
           <a:prstGeom prst="rect">
             <a:avLst/>
           </a:prstGeom>
-          <a:solidFill>
-            <a:schemeClr val="accent6">
-              <a:lumMod val="20000"/>
-              <a:lumOff val="80000"/>
-            </a:schemeClr>
-          </a:solidFill>
-        </p:spPr>
-        <p:style>
-          <a:lnRef idx="2">
-            <a:schemeClr val="accent1">
-              <a:shade val="15000"/>
-            </a:schemeClr>
-          </a:lnRef>
-          <a:fillRef idx="1">
-            <a:schemeClr val="accent1"/>
-          </a:fillRef>
-          <a:effectRef idx="0">
-            <a:schemeClr val="accent1"/>
-          </a:effectRef>
-          <a:fontRef idx="minor">
-            <a:schemeClr val="lt1"/>
-          </a:fontRef>
-        </p:style>
-        <p:txBody>
-          <a:bodyPr rtlCol="0" anchor="ctr"/>
-          <a:lstStyle/>
-          <a:p>
-            <a:pPr algn="ctr"/>
-            <a:r>
-              <a:rPr lang="ko-KR" altLang="en-US" dirty="0">
-                <a:solidFill>
-                  <a:schemeClr val="tx1"/>
-                </a:solidFill>
-              </a:rPr>
-              <a:t>기술 자원 </a:t>
-            </a:r>
-            <a:r>
-              <a:rPr lang="en-US" altLang="ko-KR" dirty="0" err="1">
-                <a:solidFill>
-                  <a:schemeClr val="tx1"/>
-                </a:solidFill>
-              </a:rPr>
-              <a:t>ui</a:t>
-            </a:r>
-            <a:r>
-              <a:rPr lang="en-US" altLang="ko-KR" dirty="0">
-                <a:solidFill>
-                  <a:schemeClr val="tx1"/>
-                </a:solidFill>
-              </a:rPr>
-              <a:t> </a:t>
-            </a:r>
-            <a:r>
-              <a:rPr lang="ko-KR" altLang="en-US" dirty="0">
-                <a:solidFill>
-                  <a:schemeClr val="tx1"/>
-                </a:solidFill>
-              </a:rPr>
-              <a:t>두개</a:t>
-            </a:r>
-            <a:r>
-              <a:rPr lang="en-US" altLang="ko-KR" dirty="0">
-                <a:solidFill>
-                  <a:schemeClr val="tx1"/>
-                </a:solidFill>
-              </a:rPr>
-              <a:t>(</a:t>
-            </a:r>
-            <a:r>
-              <a:rPr lang="ko-KR" altLang="en-US" dirty="0">
-                <a:solidFill>
-                  <a:schemeClr val="tx1"/>
-                </a:solidFill>
-              </a:rPr>
-              <a:t>위 아래</a:t>
-            </a:r>
-            <a:r>
-              <a:rPr lang="en-US" altLang="ko-KR" dirty="0">
-                <a:solidFill>
-                  <a:schemeClr val="tx1"/>
-                </a:solidFill>
-              </a:rPr>
-              <a:t>)</a:t>
-            </a:r>
-            <a:endParaRPr lang="ko-KR" altLang="en-US" dirty="0">
-              <a:solidFill>
-                <a:schemeClr val="tx1"/>
-              </a:solidFill>
-            </a:endParaRPr>
-          </a:p>
-        </p:txBody>
-      </p:sp>
+        </p:spPr>
+      </p:pic>
     </p:spTree>
     <p:extLst>
       <p:ext uri="{BB962C8B-B14F-4D97-AF65-F5344CB8AC3E}">
@@ -14452,65 +14300,6 @@
       </p:sp>
       <p:sp>
         <p:nvSpPr>
-          <p:cNvPr id="4" name="직사각형 3">
-            <a:extLst>
-              <a:ext uri="{FF2B5EF4-FFF2-40B4-BE49-F238E27FC236}">
-                <a16:creationId xmlns:a16="http://schemas.microsoft.com/office/drawing/2014/main" id="{A6909DD6-B875-23E8-7424-E9069A2E6642}"/>
-              </a:ext>
-            </a:extLst>
-          </p:cNvPr>
-          <p:cNvSpPr/>
-          <p:nvPr/>
-        </p:nvSpPr>
-        <p:spPr>
-          <a:xfrm>
-            <a:off x="9315142" y="1273629"/>
-            <a:ext cx="2185757" cy="1182255"/>
-          </a:xfrm>
-          <a:prstGeom prst="rect">
-            <a:avLst/>
-          </a:prstGeom>
-          <a:solidFill>
-            <a:schemeClr val="accent6">
-              <a:lumMod val="20000"/>
-              <a:lumOff val="80000"/>
-            </a:schemeClr>
-          </a:solidFill>
-        </p:spPr>
-        <p:style>
-          <a:lnRef idx="2">
-            <a:schemeClr val="accent1">
-              <a:shade val="15000"/>
-            </a:schemeClr>
-          </a:lnRef>
-          <a:fillRef idx="1">
-            <a:schemeClr val="accent1"/>
-          </a:fillRef>
-          <a:effectRef idx="0">
-            <a:schemeClr val="accent1"/>
-          </a:effectRef>
-          <a:fontRef idx="minor">
-            <a:schemeClr val="lt1"/>
-          </a:fontRef>
-        </p:style>
-        <p:txBody>
-          <a:bodyPr rtlCol="0" anchor="ctr"/>
-          <a:lstStyle/>
-          <a:p>
-            <a:pPr algn="ctr"/>
-            <a:r>
-              <a:rPr lang="ko-KR" altLang="en-US" dirty="0">
-                <a:solidFill>
-                  <a:schemeClr val="tx1"/>
-                </a:solidFill>
-              </a:rPr>
-              <a:t>조작키</a:t>
-            </a:r>
-          </a:p>
-        </p:txBody>
-      </p:sp>
-      <p:sp>
-        <p:nvSpPr>
           <p:cNvPr id="8" name="직사각형 7">
             <a:extLst>
               <a:ext uri="{FF2B5EF4-FFF2-40B4-BE49-F238E27FC236}">
@@ -15389,65 +15178,6 @@
                 </a:solidFill>
               </a:rPr>
               <a:t>(gif)</a:t>
-            </a:r>
-          </a:p>
-        </p:txBody>
-      </p:sp>
-      <p:sp>
-        <p:nvSpPr>
-          <p:cNvPr id="4" name="직사각형 3">
-            <a:extLst>
-              <a:ext uri="{FF2B5EF4-FFF2-40B4-BE49-F238E27FC236}">
-                <a16:creationId xmlns:a16="http://schemas.microsoft.com/office/drawing/2014/main" id="{A6909DD6-B875-23E8-7424-E9069A2E6642}"/>
-              </a:ext>
-            </a:extLst>
-          </p:cNvPr>
-          <p:cNvSpPr/>
-          <p:nvPr/>
-        </p:nvSpPr>
-        <p:spPr>
-          <a:xfrm>
-            <a:off x="9315142" y="1273629"/>
-            <a:ext cx="2185757" cy="1182255"/>
-          </a:xfrm>
-          <a:prstGeom prst="rect">
-            <a:avLst/>
-          </a:prstGeom>
-          <a:solidFill>
-            <a:schemeClr val="accent6">
-              <a:lumMod val="20000"/>
-              <a:lumOff val="80000"/>
-            </a:schemeClr>
-          </a:solidFill>
-        </p:spPr>
-        <p:style>
-          <a:lnRef idx="2">
-            <a:schemeClr val="accent1">
-              <a:shade val="15000"/>
-            </a:schemeClr>
-          </a:lnRef>
-          <a:fillRef idx="1">
-            <a:schemeClr val="accent1"/>
-          </a:fillRef>
-          <a:effectRef idx="0">
-            <a:schemeClr val="accent1"/>
-          </a:effectRef>
-          <a:fontRef idx="minor">
-            <a:schemeClr val="lt1"/>
-          </a:fontRef>
-        </p:style>
-        <p:txBody>
-          <a:bodyPr rtlCol="0" anchor="ctr"/>
-          <a:lstStyle/>
-          <a:p>
-            <a:pPr algn="ctr"/>
-            <a:r>
-              <a:rPr lang="ko-KR" altLang="en-US" dirty="0">
-                <a:solidFill>
-                  <a:schemeClr val="tx1"/>
-                </a:solidFill>
-              </a:rPr>
-              <a:t>조작키</a:t>
             </a:r>
           </a:p>
         </p:txBody>

--- a/아카데미 수업내용 6월/PC와 PC 기술 기획서.pptx
+++ b/아카데미 수업내용 6월/PC와 PC 기술 기획서.pptx
@@ -11552,65 +11552,6 @@
       </p:sp>
       <p:sp>
         <p:nvSpPr>
-          <p:cNvPr id="5" name="직사각형 4">
-            <a:extLst>
-              <a:ext uri="{FF2B5EF4-FFF2-40B4-BE49-F238E27FC236}">
-                <a16:creationId xmlns:a16="http://schemas.microsoft.com/office/drawing/2014/main" id="{F3C3EA9D-233D-1057-B55F-398664823E4D}"/>
-              </a:ext>
-            </a:extLst>
-          </p:cNvPr>
-          <p:cNvSpPr/>
-          <p:nvPr/>
-        </p:nvSpPr>
-        <p:spPr>
-          <a:xfrm>
-            <a:off x="9315142" y="1273629"/>
-            <a:ext cx="2185757" cy="1182255"/>
-          </a:xfrm>
-          <a:prstGeom prst="rect">
-            <a:avLst/>
-          </a:prstGeom>
-          <a:solidFill>
-            <a:schemeClr val="accent6">
-              <a:lumMod val="20000"/>
-              <a:lumOff val="80000"/>
-            </a:schemeClr>
-          </a:solidFill>
-        </p:spPr>
-        <p:style>
-          <a:lnRef idx="2">
-            <a:schemeClr val="accent1">
-              <a:shade val="15000"/>
-            </a:schemeClr>
-          </a:lnRef>
-          <a:fillRef idx="1">
-            <a:schemeClr val="accent1"/>
-          </a:fillRef>
-          <a:effectRef idx="0">
-            <a:schemeClr val="accent1"/>
-          </a:effectRef>
-          <a:fontRef idx="minor">
-            <a:schemeClr val="lt1"/>
-          </a:fontRef>
-        </p:style>
-        <p:txBody>
-          <a:bodyPr rtlCol="0" anchor="ctr"/>
-          <a:lstStyle/>
-          <a:p>
-            <a:pPr algn="ctr"/>
-            <a:r>
-              <a:rPr lang="ko-KR" altLang="en-US" dirty="0">
-                <a:solidFill>
-                  <a:schemeClr val="tx1"/>
-                </a:solidFill>
-              </a:rPr>
-              <a:t>조작키</a:t>
-            </a:r>
-          </a:p>
-        </p:txBody>
-      </p:sp>
-      <p:sp>
-        <p:nvSpPr>
           <p:cNvPr id="4" name="직사각형 3">
             <a:extLst>
               <a:ext uri="{FF2B5EF4-FFF2-40B4-BE49-F238E27FC236}">
@@ -11871,6 +11812,22 @@
               <a:rPr lang="ko-KR" altLang="en-US" dirty="0"/>
               <a:t>기술 자원 소모에 대한 설명</a:t>
             </a:r>
+            <a:endParaRPr lang="en-US" altLang="ko-KR" dirty="0"/>
+          </a:p>
+          <a:p>
+            <a:pPr marL="0" indent="0">
+              <a:buNone/>
+            </a:pPr>
+            <a:r>
+              <a:rPr lang="ko-KR" altLang="en-US" dirty="0"/>
+              <a:t>오브젝트 데미지 설명</a:t>
+            </a:r>
+            <a:endParaRPr lang="en-US" altLang="ko-KR" dirty="0"/>
+          </a:p>
+          <a:p>
+            <a:pPr marL="0" indent="0">
+              <a:buNone/>
+            </a:pPr>
             <a:endParaRPr lang="en-US" altLang="ko-KR" dirty="0"/>
           </a:p>
         </p:txBody>

--- a/아카데미 수업내용 6월/PC와 PC 기술 기획서.pptx
+++ b/아카데미 수업내용 6월/PC와 PC 기술 기획서.pptx
@@ -325,7 +325,7 @@
             <a:fld id="{B61BEF0D-F0BB-DE4B-95CE-6DB70DBA9567}" type="datetimeFigureOut">
               <a:rPr lang="en-US" dirty="0"/>
               <a:pPr/>
-              <a:t>7/2/2024</a:t>
+              <a:t>7/3/2024</a:t>
             </a:fld>
             <a:endParaRPr lang="en-US" dirty="0"/>
           </a:p>
@@ -660,7 +660,7 @@
             <a:fld id="{B61BEF0D-F0BB-DE4B-95CE-6DB70DBA9567}" type="datetimeFigureOut">
               <a:rPr lang="en-US" dirty="0"/>
               <a:pPr/>
-              <a:t>7/2/2024</a:t>
+              <a:t>7/3/2024</a:t>
             </a:fld>
             <a:endParaRPr lang="en-US" dirty="0"/>
           </a:p>
@@ -1058,7 +1058,7 @@
             <a:fld id="{B61BEF0D-F0BB-DE4B-95CE-6DB70DBA9567}" type="datetimeFigureOut">
               <a:rPr lang="en-US" dirty="0"/>
               <a:pPr/>
-              <a:t>7/2/2024</a:t>
+              <a:t>7/3/2024</a:t>
             </a:fld>
             <a:endParaRPr lang="en-US" dirty="0"/>
           </a:p>
@@ -1391,7 +1391,7 @@
             <a:fld id="{B61BEF0D-F0BB-DE4B-95CE-6DB70DBA9567}" type="datetimeFigureOut">
               <a:rPr lang="en-US" dirty="0"/>
               <a:pPr/>
-              <a:t>7/2/2024</a:t>
+              <a:t>7/3/2024</a:t>
             </a:fld>
             <a:endParaRPr lang="en-US" dirty="0"/>
           </a:p>
@@ -1708,7 +1708,7 @@
             <a:fld id="{B61BEF0D-F0BB-DE4B-95CE-6DB70DBA9567}" type="datetimeFigureOut">
               <a:rPr lang="en-US" dirty="0"/>
               <a:pPr/>
-              <a:t>7/2/2024</a:t>
+              <a:t>7/3/2024</a:t>
             </a:fld>
             <a:endParaRPr lang="en-US" dirty="0"/>
           </a:p>
@@ -2101,7 +2101,7 @@
             <a:fld id="{B61BEF0D-F0BB-DE4B-95CE-6DB70DBA9567}" type="datetimeFigureOut">
               <a:rPr lang="en-US" dirty="0"/>
               <a:pPr/>
-              <a:t>7/2/2024</a:t>
+              <a:t>7/3/2024</a:t>
             </a:fld>
             <a:endParaRPr lang="en-US" dirty="0"/>
           </a:p>
@@ -2355,7 +2355,7 @@
             <a:fld id="{B61BEF0D-F0BB-DE4B-95CE-6DB70DBA9567}" type="datetimeFigureOut">
               <a:rPr lang="en-US" dirty="0"/>
               <a:pPr/>
-              <a:t>7/2/2024</a:t>
+              <a:t>7/3/2024</a:t>
             </a:fld>
             <a:endParaRPr lang="en-US" dirty="0"/>
           </a:p>
@@ -2614,7 +2614,7 @@
             <a:fld id="{B61BEF0D-F0BB-DE4B-95CE-6DB70DBA9567}" type="datetimeFigureOut">
               <a:rPr lang="en-US" dirty="0"/>
               <a:pPr/>
-              <a:t>7/2/2024</a:t>
+              <a:t>7/3/2024</a:t>
             </a:fld>
             <a:endParaRPr lang="en-US" dirty="0"/>
           </a:p>
@@ -2873,7 +2873,7 @@
             <a:fld id="{B61BEF0D-F0BB-DE4B-95CE-6DB70DBA9567}" type="datetimeFigureOut">
               <a:rPr lang="en-US" dirty="0"/>
               <a:pPr/>
-              <a:t>7/2/2024</a:t>
+              <a:t>7/3/2024</a:t>
             </a:fld>
             <a:endParaRPr lang="en-US" dirty="0"/>
           </a:p>
@@ -3199,7 +3199,7 @@
             <a:fld id="{B61BEF0D-F0BB-DE4B-95CE-6DB70DBA9567}" type="datetimeFigureOut">
               <a:rPr lang="en-US" dirty="0"/>
               <a:pPr/>
-              <a:t>7/2/2024</a:t>
+              <a:t>7/3/2024</a:t>
             </a:fld>
             <a:endParaRPr lang="en-US" dirty="0"/>
           </a:p>
@@ -3519,7 +3519,7 @@
             <a:fld id="{B61BEF0D-F0BB-DE4B-95CE-6DB70DBA9567}" type="datetimeFigureOut">
               <a:rPr lang="en-US" dirty="0"/>
               <a:pPr/>
-              <a:t>7/2/2024</a:t>
+              <a:t>7/3/2024</a:t>
             </a:fld>
             <a:endParaRPr lang="en-US" dirty="0"/>
           </a:p>
@@ -3973,7 +3973,7 @@
             <a:fld id="{B61BEF0D-F0BB-DE4B-95CE-6DB70DBA9567}" type="datetimeFigureOut">
               <a:rPr lang="en-US" dirty="0"/>
               <a:pPr/>
-              <a:t>7/2/2024</a:t>
+              <a:t>7/3/2024</a:t>
             </a:fld>
             <a:endParaRPr lang="en-US" dirty="0"/>
           </a:p>
@@ -4175,7 +4175,7 @@
             <a:fld id="{B61BEF0D-F0BB-DE4B-95CE-6DB70DBA9567}" type="datetimeFigureOut">
               <a:rPr lang="en-US" dirty="0"/>
               <a:pPr/>
-              <a:t>7/2/2024</a:t>
+              <a:t>7/3/2024</a:t>
             </a:fld>
             <a:endParaRPr lang="en-US" dirty="0"/>
           </a:p>
@@ -4349,7 +4349,7 @@
             <a:fld id="{B61BEF0D-F0BB-DE4B-95CE-6DB70DBA9567}" type="datetimeFigureOut">
               <a:rPr lang="en-US" dirty="0"/>
               <a:pPr/>
-              <a:t>7/2/2024</a:t>
+              <a:t>7/3/2024</a:t>
             </a:fld>
             <a:endParaRPr lang="en-US" dirty="0"/>
           </a:p>
@@ -4679,7 +4679,7 @@
             <a:fld id="{B61BEF0D-F0BB-DE4B-95CE-6DB70DBA9567}" type="datetimeFigureOut">
               <a:rPr lang="en-US" dirty="0"/>
               <a:pPr/>
-              <a:t>7/2/2024</a:t>
+              <a:t>7/3/2024</a:t>
             </a:fld>
             <a:endParaRPr lang="en-US" dirty="0"/>
           </a:p>
@@ -5021,7 +5021,7 @@
             <a:fld id="{B61BEF0D-F0BB-DE4B-95CE-6DB70DBA9567}" type="datetimeFigureOut">
               <a:rPr lang="en-US" dirty="0"/>
               <a:pPr/>
-              <a:t>7/2/2024</a:t>
+              <a:t>7/3/2024</a:t>
             </a:fld>
             <a:endParaRPr lang="en-US" dirty="0"/>
           </a:p>
@@ -7135,7 +7135,7 @@
             <a:fld id="{B61BEF0D-F0BB-DE4B-95CE-6DB70DBA9567}" type="datetimeFigureOut">
               <a:rPr lang="en-US" dirty="0"/>
               <a:pPr/>
-              <a:t>7/2/2024</a:t>
+              <a:t>7/3/2024</a:t>
             </a:fld>
             <a:endParaRPr lang="en-US" dirty="0"/>
           </a:p>
